--- a/Neurograph User Manual/New Microsoft PowerPoint Presentation.pptx
+++ b/Neurograph User Manual/New Microsoft PowerPoint Presentation.pptx
@@ -17,6 +17,7 @@
     <p:sldId id="265" r:id="rId11"/>
     <p:sldId id="266" r:id="rId12"/>
     <p:sldId id="267" r:id="rId13"/>
+    <p:sldId id="268" r:id="rId14"/>
   </p:sldIdLst>
   <p:sldSz cx="12192000" cy="6858000"/>
   <p:notesSz cx="6858000" cy="9144000"/>
@@ -276,7 +277,7 @@
           <a:p>
             <a:fld id="{A7C5BDB8-6C46-48CE-9D74-65F3A04665D5}" type="datetimeFigureOut">
               <a:rPr lang="en-AU" smtClean="0"/>
-              <a:t>4/05/2018</a:t>
+              <a:t>19/05/2018</a:t>
             </a:fld>
             <a:endParaRPr lang="en-AU"/>
           </a:p>
@@ -476,7 +477,7 @@
           <a:p>
             <a:fld id="{A7C5BDB8-6C46-48CE-9D74-65F3A04665D5}" type="datetimeFigureOut">
               <a:rPr lang="en-AU" smtClean="0"/>
-              <a:t>4/05/2018</a:t>
+              <a:t>19/05/2018</a:t>
             </a:fld>
             <a:endParaRPr lang="en-AU"/>
           </a:p>
@@ -686,7 +687,7 @@
           <a:p>
             <a:fld id="{A7C5BDB8-6C46-48CE-9D74-65F3A04665D5}" type="datetimeFigureOut">
               <a:rPr lang="en-AU" smtClean="0"/>
-              <a:t>4/05/2018</a:t>
+              <a:t>19/05/2018</a:t>
             </a:fld>
             <a:endParaRPr lang="en-AU"/>
           </a:p>
@@ -886,7 +887,7 @@
           <a:p>
             <a:fld id="{A7C5BDB8-6C46-48CE-9D74-65F3A04665D5}" type="datetimeFigureOut">
               <a:rPr lang="en-AU" smtClean="0"/>
-              <a:t>4/05/2018</a:t>
+              <a:t>19/05/2018</a:t>
             </a:fld>
             <a:endParaRPr lang="en-AU"/>
           </a:p>
@@ -1162,7 +1163,7 @@
           <a:p>
             <a:fld id="{A7C5BDB8-6C46-48CE-9D74-65F3A04665D5}" type="datetimeFigureOut">
               <a:rPr lang="en-AU" smtClean="0"/>
-              <a:t>4/05/2018</a:t>
+              <a:t>19/05/2018</a:t>
             </a:fld>
             <a:endParaRPr lang="en-AU"/>
           </a:p>
@@ -1430,7 +1431,7 @@
           <a:p>
             <a:fld id="{A7C5BDB8-6C46-48CE-9D74-65F3A04665D5}" type="datetimeFigureOut">
               <a:rPr lang="en-AU" smtClean="0"/>
-              <a:t>4/05/2018</a:t>
+              <a:t>19/05/2018</a:t>
             </a:fld>
             <a:endParaRPr lang="en-AU"/>
           </a:p>
@@ -1845,7 +1846,7 @@
           <a:p>
             <a:fld id="{A7C5BDB8-6C46-48CE-9D74-65F3A04665D5}" type="datetimeFigureOut">
               <a:rPr lang="en-AU" smtClean="0"/>
-              <a:t>4/05/2018</a:t>
+              <a:t>19/05/2018</a:t>
             </a:fld>
             <a:endParaRPr lang="en-AU"/>
           </a:p>
@@ -1987,7 +1988,7 @@
           <a:p>
             <a:fld id="{A7C5BDB8-6C46-48CE-9D74-65F3A04665D5}" type="datetimeFigureOut">
               <a:rPr lang="en-AU" smtClean="0"/>
-              <a:t>4/05/2018</a:t>
+              <a:t>19/05/2018</a:t>
             </a:fld>
             <a:endParaRPr lang="en-AU"/>
           </a:p>
@@ -2100,7 +2101,7 @@
           <a:p>
             <a:fld id="{A7C5BDB8-6C46-48CE-9D74-65F3A04665D5}" type="datetimeFigureOut">
               <a:rPr lang="en-AU" smtClean="0"/>
-              <a:t>4/05/2018</a:t>
+              <a:t>19/05/2018</a:t>
             </a:fld>
             <a:endParaRPr lang="en-AU"/>
           </a:p>
@@ -2413,7 +2414,7 @@
           <a:p>
             <a:fld id="{A7C5BDB8-6C46-48CE-9D74-65F3A04665D5}" type="datetimeFigureOut">
               <a:rPr lang="en-AU" smtClean="0"/>
-              <a:t>4/05/2018</a:t>
+              <a:t>19/05/2018</a:t>
             </a:fld>
             <a:endParaRPr lang="en-AU"/>
           </a:p>
@@ -2702,7 +2703,7 @@
           <a:p>
             <a:fld id="{A7C5BDB8-6C46-48CE-9D74-65F3A04665D5}" type="datetimeFigureOut">
               <a:rPr lang="en-AU" smtClean="0"/>
-              <a:t>4/05/2018</a:t>
+              <a:t>19/05/2018</a:t>
             </a:fld>
             <a:endParaRPr lang="en-AU"/>
           </a:p>
@@ -2945,7 +2946,7 @@
           <a:p>
             <a:fld id="{A7C5BDB8-6C46-48CE-9D74-65F3A04665D5}" type="datetimeFigureOut">
               <a:rPr lang="en-AU" smtClean="0"/>
-              <a:t>4/05/2018</a:t>
+              <a:t>19/05/2018</a:t>
             </a:fld>
             <a:endParaRPr lang="en-AU"/>
           </a:p>
@@ -3786,6 +3787,36 @@
 </p:sld>
 </file>
 
+<file path=ppt/slides/slide13.xml><?xml version="1.0" encoding="utf-8"?>
+<p:sld xmlns:a="http://schemas.openxmlformats.org/drawingml/2006/main" xmlns:r="http://schemas.openxmlformats.org/officeDocument/2006/relationships" xmlns:p="http://schemas.openxmlformats.org/presentationml/2006/main">
+  <p:cSld>
+    <p:spTree>
+      <p:nvGrpSpPr>
+        <p:cNvPr id="1" name=""/>
+        <p:cNvGrpSpPr/>
+        <p:nvPr/>
+      </p:nvGrpSpPr>
+      <p:grpSpPr>
+        <a:xfrm>
+          <a:off x="0" y="0"/>
+          <a:ext cx="0" cy="0"/>
+          <a:chOff x="0" y="0"/>
+          <a:chExt cx="0" cy="0"/>
+        </a:xfrm>
+      </p:grpSpPr>
+    </p:spTree>
+    <p:extLst>
+      <p:ext uri="{BB962C8B-B14F-4D97-AF65-F5344CB8AC3E}">
+        <p14:creationId xmlns:p14="http://schemas.microsoft.com/office/powerpoint/2010/main" val="3423815614"/>
+      </p:ext>
+    </p:extLst>
+  </p:cSld>
+  <p:clrMapOvr>
+    <a:masterClrMapping/>
+  </p:clrMapOvr>
+</p:sld>
+</file>
+
 <file path=ppt/slides/slide2.xml><?xml version="1.0" encoding="utf-8"?>
 <p:sld xmlns:a="http://schemas.openxmlformats.org/drawingml/2006/main" xmlns:r="http://schemas.openxmlformats.org/officeDocument/2006/relationships" xmlns:p="http://schemas.openxmlformats.org/presentationml/2006/main">
   <p:cSld>
